--- a/Reference materials/Core JAVA/9 Inheritance.pptx
+++ b/Reference materials/Core JAVA/9 Inheritance.pptx
@@ -222,7 +222,7 @@
           <a:p>
             <a:fld id="{CBDFB359-B0C7-4C2A-B5E6-DC0AAC7DC740}" type="datetimeFigureOut">
               <a:rPr lang="en-IN" smtClean="0"/>
-              <a:t>15-03-2021</a:t>
+              <a:t>15-06-2021</a:t>
             </a:fld>
             <a:endParaRPr lang="en-IN"/>
           </a:p>
@@ -684,7 +684,7 @@
             <a:fld id="{1D8BD707-D9CF-40AE-B4C6-C98DA3205C09}" type="datetimeFigureOut">
               <a:rPr lang="en-US" smtClean="0"/>
               <a:pPr/>
-              <a:t>3/15/2021</a:t>
+              <a:t>6/15/2021</a:t>
             </a:fld>
             <a:endParaRPr lang="en-US"/>
           </a:p>
@@ -1037,7 +1037,7 @@
             <a:fld id="{1D8BD707-D9CF-40AE-B4C6-C98DA3205C09}" type="datetimeFigureOut">
               <a:rPr lang="en-US" smtClean="0"/>
               <a:pPr/>
-              <a:t>3/15/2021</a:t>
+              <a:t>6/15/2021</a:t>
             </a:fld>
             <a:endParaRPr lang="en-US"/>
           </a:p>
@@ -1213,7 +1213,7 @@
             <a:fld id="{1D8BD707-D9CF-40AE-B4C6-C98DA3205C09}" type="datetimeFigureOut">
               <a:rPr lang="en-US" smtClean="0"/>
               <a:pPr/>
-              <a:t>3/15/2021</a:t>
+              <a:t>6/15/2021</a:t>
             </a:fld>
             <a:endParaRPr lang="en-US"/>
           </a:p>
@@ -1327,7 +1327,7 @@
             <a:fld id="{1D8BD707-D9CF-40AE-B4C6-C98DA3205C09}" type="datetimeFigureOut">
               <a:rPr lang="en-US" smtClean="0"/>
               <a:pPr/>
-              <a:t>3/15/2021</a:t>
+              <a:t>6/15/2021</a:t>
             </a:fld>
             <a:endParaRPr lang="en-US"/>
           </a:p>
@@ -1686,7 +1686,7 @@
             <a:fld id="{1D8BD707-D9CF-40AE-B4C6-C98DA3205C09}" type="datetimeFigureOut">
               <a:rPr lang="en-US" smtClean="0"/>
               <a:pPr/>
-              <a:t>3/15/2021</a:t>
+              <a:t>6/15/2021</a:t>
             </a:fld>
             <a:endParaRPr lang="en-US"/>
           </a:p>
@@ -1952,7 +1952,7 @@
             <a:fld id="{1D8BD707-D9CF-40AE-B4C6-C98DA3205C09}" type="datetimeFigureOut">
               <a:rPr lang="en-US" smtClean="0"/>
               <a:pPr/>
-              <a:t>3/15/2021</a:t>
+              <a:t>6/15/2021</a:t>
             </a:fld>
             <a:endParaRPr lang="en-US"/>
           </a:p>
@@ -2315,7 +2315,7 @@
             <a:fld id="{1D8BD707-D9CF-40AE-B4C6-C98DA3205C09}" type="datetimeFigureOut">
               <a:rPr lang="en-US" smtClean="0"/>
               <a:pPr/>
-              <a:t>3/15/2021</a:t>
+              <a:t>6/15/2021</a:t>
             </a:fld>
             <a:endParaRPr lang="en-US"/>
           </a:p>
@@ -2543,7 +2543,7 @@
             <a:fld id="{1D8BD707-D9CF-40AE-B4C6-C98DA3205C09}" type="datetimeFigureOut">
               <a:rPr lang="en-US" smtClean="0"/>
               <a:pPr/>
-              <a:t>3/15/2021</a:t>
+              <a:t>6/15/2021</a:t>
             </a:fld>
             <a:endParaRPr lang="en-US"/>
           </a:p>
@@ -2635,7 +2635,7 @@
             <a:fld id="{1D8BD707-D9CF-40AE-B4C6-C98DA3205C09}" type="datetimeFigureOut">
               <a:rPr lang="en-US" smtClean="0"/>
               <a:pPr/>
-              <a:t>3/15/2021</a:t>
+              <a:t>6/15/2021</a:t>
             </a:fld>
             <a:endParaRPr lang="en-US"/>
           </a:p>
@@ -2903,7 +2903,7 @@
             <a:fld id="{1D8BD707-D9CF-40AE-B4C6-C98DA3205C09}" type="datetimeFigureOut">
               <a:rPr lang="en-US" smtClean="0"/>
               <a:pPr/>
-              <a:t>3/15/2021</a:t>
+              <a:t>6/15/2021</a:t>
             </a:fld>
             <a:endParaRPr lang="en-US"/>
           </a:p>
@@ -3132,7 +3132,7 @@
             <a:fld id="{1D8BD707-D9CF-40AE-B4C6-C98DA3205C09}" type="datetimeFigureOut">
               <a:rPr lang="en-US" smtClean="0"/>
               <a:pPr/>
-              <a:t>3/15/2021</a:t>
+              <a:t>6/15/2021</a:t>
             </a:fld>
             <a:endParaRPr lang="en-US"/>
           </a:p>
@@ -3631,7 +3631,7 @@
             <a:fld id="{1D8BD707-D9CF-40AE-B4C6-C98DA3205C09}" type="datetimeFigureOut">
               <a:rPr lang="en-US" smtClean="0"/>
               <a:pPr/>
-              <a:t>3/15/2021</a:t>
+              <a:t>6/15/2021</a:t>
             </a:fld>
             <a:endParaRPr lang="en-US"/>
           </a:p>
